--- a/BP autókozmetika.pptx
+++ b/BP autókozmetika.pptx
@@ -7313,31 +7313,7 @@
                 </a:solidFill>
                 <a:latin typeface="+mj-lt"/>
               </a:rPr>
-              <a:t>Egyszerű és átlátható, könnyű tájékozódás, 6 tábla – login , napló , vásárlás , vélemény , </a:t>
-            </a:r>
-            <a:r>
-              <a:rPr lang="hu-HU" sz="1600" dirty="0" err="1">
-                <a:solidFill>
-                  <a:schemeClr val="tx1">
-                    <a:lumMod val="75000"/>
-                    <a:lumOff val="25000"/>
-                  </a:schemeClr>
-                </a:solidFill>
-                <a:latin typeface="+mj-lt"/>
-              </a:rPr>
-              <a:t>user</a:t>
-            </a:r>
-            <a:r>
-              <a:rPr lang="hu-HU" sz="1600" dirty="0">
-                <a:solidFill>
-                  <a:schemeClr val="tx1">
-                    <a:lumMod val="75000"/>
-                    <a:lumOff val="25000"/>
-                  </a:schemeClr>
-                </a:solidFill>
-                <a:latin typeface="+mj-lt"/>
-              </a:rPr>
-              <a:t> , termékek</a:t>
+              <a:t>Egyszerű és átlátható, könnyű tájékozódás, 6 tábla – login , napló , vásárlás , vélemény , User , termékek</a:t>
             </a:r>
           </a:p>
         </p:txBody>
@@ -7722,7 +7698,7 @@
         </p:nvSpPr>
         <p:spPr>
           <a:xfrm>
-            <a:off x="6096000" y="2399251"/>
+            <a:off x="6211226" y="1513078"/>
             <a:ext cx="4286774" cy="461665"/>
           </a:xfrm>
           <a:prstGeom prst="rect">
@@ -7743,7 +7719,7 @@
                 </a:solidFill>
                 <a:latin typeface="+mj-lt"/>
               </a:rPr>
-              <a:t>Fő kapcsolatok : </a:t>
+              <a:t>Táblák </a:t>
             </a:r>
           </a:p>
         </p:txBody>
@@ -7824,8 +7800,8 @@
         </p:blipFill>
         <p:spPr bwMode="auto">
           <a:xfrm rot="766031">
-            <a:off x="9635640" y="717733"/>
-            <a:ext cx="1691164" cy="1691164"/>
+            <a:off x="10726533" y="766129"/>
+            <a:ext cx="1240150" cy="1240150"/>
           </a:xfrm>
           <a:prstGeom prst="rect">
             <a:avLst/>
@@ -7870,9 +7846,9 @@
           </a:stretch>
         </p:blipFill>
         <p:spPr bwMode="auto">
-          <a:xfrm rot="7642071">
-            <a:off x="6007017" y="789962"/>
-            <a:ext cx="1185943" cy="1185943"/>
+          <a:xfrm rot="5088434">
+            <a:off x="5782980" y="683657"/>
+            <a:ext cx="780632" cy="780632"/>
           </a:xfrm>
           <a:prstGeom prst="rect">
             <a:avLst/>
@@ -7889,6 +7865,372 @@
           </a:extLst>
         </p:spPr>
       </p:pic>
+      <p:sp>
+        <p:nvSpPr>
+          <p:cNvPr id="6" name="Szövegdoboz 5">
+            <a:extLst>
+              <a:ext uri="{FF2B5EF4-FFF2-40B4-BE49-F238E27FC236}">
+                <a16:creationId xmlns:a16="http://schemas.microsoft.com/office/drawing/2014/main" id="{F951D493-EDF3-0A93-1603-3C5F5362F20B}"/>
+              </a:ext>
+            </a:extLst>
+          </p:cNvPr>
+          <p:cNvSpPr txBox="1"/>
+          <p:nvPr/>
+        </p:nvSpPr>
+        <p:spPr>
+          <a:xfrm>
+            <a:off x="6211226" y="1974743"/>
+            <a:ext cx="5203968" cy="707886"/>
+          </a:xfrm>
+          <a:prstGeom prst="rect">
+            <a:avLst/>
+          </a:prstGeom>
+          <a:noFill/>
+        </p:spPr>
+        <p:txBody>
+          <a:bodyPr wrap="square" rtlCol="0">
+            <a:spAutoFit/>
+          </a:bodyPr>
+          <a:lstStyle/>
+          <a:p>
+            <a:r>
+              <a:rPr lang="hu-HU" dirty="0">
+                <a:solidFill>
+                  <a:schemeClr val="accent1"/>
+                </a:solidFill>
+                <a:latin typeface="+mj-lt"/>
+              </a:rPr>
+              <a:t>login</a:t>
+            </a:r>
+            <a:r>
+              <a:rPr lang="hu-HU" dirty="0">
+                <a:latin typeface="+mj-lt"/>
+              </a:rPr>
+              <a:t> - </a:t>
+            </a:r>
+            <a:r>
+              <a:rPr lang="hu-HU" sz="1100" dirty="0">
+                <a:solidFill>
+                  <a:schemeClr val="tx1">
+                    <a:lumMod val="75000"/>
+                    <a:lumOff val="25000"/>
+                  </a:schemeClr>
+                </a:solidFill>
+                <a:latin typeface="+mj-lt"/>
+              </a:rPr>
+              <a:t>A „Login” tábla a felhasználók bejelentkezéseit rögzíti egyedi azonosítóval, dátummal, IP-címmel, munkamenet azonosítóval és felhasználói azonosítóval a biztonságos és nyomon követhető rendszerhasználat érdekében.  </a:t>
+            </a:r>
+          </a:p>
+        </p:txBody>
+      </p:sp>
+      <p:sp>
+        <p:nvSpPr>
+          <p:cNvPr id="7" name="Szövegdoboz 6">
+            <a:extLst>
+              <a:ext uri="{FF2B5EF4-FFF2-40B4-BE49-F238E27FC236}">
+                <a16:creationId xmlns:a16="http://schemas.microsoft.com/office/drawing/2014/main" id="{D8B4F9FC-CB5A-2D85-8A57-D4E9EF37F436}"/>
+              </a:ext>
+            </a:extLst>
+          </p:cNvPr>
+          <p:cNvSpPr txBox="1"/>
+          <p:nvPr/>
+        </p:nvSpPr>
+        <p:spPr>
+          <a:xfrm>
+            <a:off x="6211226" y="2682629"/>
+            <a:ext cx="5737917" cy="707886"/>
+          </a:xfrm>
+          <a:prstGeom prst="rect">
+            <a:avLst/>
+          </a:prstGeom>
+          <a:noFill/>
+        </p:spPr>
+        <p:txBody>
+          <a:bodyPr wrap="square" rtlCol="0">
+            <a:spAutoFit/>
+          </a:bodyPr>
+          <a:lstStyle/>
+          <a:p>
+            <a:r>
+              <a:rPr lang="hu-HU" dirty="0">
+                <a:solidFill>
+                  <a:schemeClr val="accent1"/>
+                </a:solidFill>
+                <a:latin typeface="+mj-lt"/>
+              </a:rPr>
+              <a:t>User</a:t>
+            </a:r>
+            <a:r>
+              <a:rPr lang="hu-HU" dirty="0">
+                <a:latin typeface="+mj-lt"/>
+              </a:rPr>
+              <a:t> </a:t>
+            </a:r>
+            <a:r>
+              <a:rPr lang="hu-HU" dirty="0">
+                <a:solidFill>
+                  <a:schemeClr val="tx1">
+                    <a:lumMod val="75000"/>
+                    <a:lumOff val="25000"/>
+                  </a:schemeClr>
+                </a:solidFill>
+                <a:latin typeface="+mj-lt"/>
+              </a:rPr>
+              <a:t>- </a:t>
+            </a:r>
+            <a:r>
+              <a:rPr lang="hu-HU" sz="1100" dirty="0">
+                <a:solidFill>
+                  <a:schemeClr val="tx1">
+                    <a:lumMod val="75000"/>
+                    <a:lumOff val="25000"/>
+                  </a:schemeClr>
+                </a:solidFill>
+                <a:latin typeface="+mj-lt"/>
+              </a:rPr>
+              <a:t>A „User” tábla a felhasználók alapvető adatait tárolja, mint azonosító, e-mail cím, becenév, születési dátum, profil- és adatfrissítési dátumok, valamint profilkép neve a személyre szabott és naprakész fiókkezelés érdekében.</a:t>
+            </a:r>
+          </a:p>
+        </p:txBody>
+      </p:sp>
+      <p:sp>
+        <p:nvSpPr>
+          <p:cNvPr id="8" name="Szövegdoboz 7">
+            <a:extLst>
+              <a:ext uri="{FF2B5EF4-FFF2-40B4-BE49-F238E27FC236}">
+                <a16:creationId xmlns:a16="http://schemas.microsoft.com/office/drawing/2014/main" id="{033A5BAE-FA06-45CE-8082-E944DAEC3D98}"/>
+              </a:ext>
+            </a:extLst>
+          </p:cNvPr>
+          <p:cNvSpPr txBox="1"/>
+          <p:nvPr/>
+        </p:nvSpPr>
+        <p:spPr>
+          <a:xfrm>
+            <a:off x="6211226" y="3392544"/>
+            <a:ext cx="5419158" cy="707886"/>
+          </a:xfrm>
+          <a:prstGeom prst="rect">
+            <a:avLst/>
+          </a:prstGeom>
+          <a:noFill/>
+        </p:spPr>
+        <p:txBody>
+          <a:bodyPr wrap="square" rtlCol="0">
+            <a:spAutoFit/>
+          </a:bodyPr>
+          <a:lstStyle/>
+          <a:p>
+            <a:r>
+              <a:rPr lang="hu-HU" dirty="0">
+                <a:solidFill>
+                  <a:schemeClr val="accent1"/>
+                </a:solidFill>
+                <a:latin typeface="+mj-lt"/>
+              </a:rPr>
+              <a:t>Vélemény</a:t>
+            </a:r>
+            <a:r>
+              <a:rPr lang="hu-HU" dirty="0">
+                <a:latin typeface="+mj-lt"/>
+              </a:rPr>
+              <a:t> - </a:t>
+            </a:r>
+            <a:r>
+              <a:rPr lang="hu-HU" sz="1100" dirty="0">
+                <a:solidFill>
+                  <a:schemeClr val="tx1">
+                    <a:lumMod val="75000"/>
+                    <a:lumOff val="25000"/>
+                  </a:schemeClr>
+                </a:solidFill>
+                <a:latin typeface="+mj-lt"/>
+              </a:rPr>
+              <a:t>A „Vélemény” tábla a felhasználók hozzászólásait, értékeléseit és azok időpontját tárolja egyedi azonosítóval, hogy a visszajelzések nyomon követhetők és rendszerezhetők legyenek.</a:t>
+            </a:r>
+          </a:p>
+        </p:txBody>
+      </p:sp>
+      <p:sp>
+        <p:nvSpPr>
+          <p:cNvPr id="9" name="Szövegdoboz 8">
+            <a:extLst>
+              <a:ext uri="{FF2B5EF4-FFF2-40B4-BE49-F238E27FC236}">
+                <a16:creationId xmlns:a16="http://schemas.microsoft.com/office/drawing/2014/main" id="{9756FDA0-1C40-7D7C-7454-EC355466D784}"/>
+              </a:ext>
+            </a:extLst>
+          </p:cNvPr>
+          <p:cNvSpPr txBox="1"/>
+          <p:nvPr/>
+        </p:nvSpPr>
+        <p:spPr>
+          <a:xfrm>
+            <a:off x="6211226" y="4098401"/>
+            <a:ext cx="5632233" cy="707886"/>
+          </a:xfrm>
+          <a:prstGeom prst="rect">
+            <a:avLst/>
+          </a:prstGeom>
+          <a:noFill/>
+        </p:spPr>
+        <p:txBody>
+          <a:bodyPr wrap="square" rtlCol="0">
+            <a:spAutoFit/>
+          </a:bodyPr>
+          <a:lstStyle/>
+          <a:p>
+            <a:r>
+              <a:rPr lang="hu-HU" dirty="0">
+                <a:solidFill>
+                  <a:schemeClr val="accent1"/>
+                </a:solidFill>
+                <a:latin typeface="+mj-lt"/>
+              </a:rPr>
+              <a:t>Napló</a:t>
+            </a:r>
+            <a:r>
+              <a:rPr lang="hu-HU" dirty="0">
+                <a:latin typeface="+mj-lt"/>
+              </a:rPr>
+              <a:t> </a:t>
+            </a:r>
+            <a:r>
+              <a:rPr lang="hu-HU" sz="1100" dirty="0">
+                <a:latin typeface="+mj-lt"/>
+              </a:rPr>
+              <a:t>- </a:t>
+            </a:r>
+            <a:r>
+              <a:rPr lang="hu-HU" sz="1100" dirty="0">
+                <a:solidFill>
+                  <a:schemeClr val="tx1">
+                    <a:lumMod val="75000"/>
+                    <a:lumOff val="25000"/>
+                  </a:schemeClr>
+                </a:solidFill>
+                <a:latin typeface="+mj-lt"/>
+              </a:rPr>
+              <a:t>A „Napló” tábla a rendszerben történt eseményeket rögzíti egyedi azonosítóval, dátummal, IP-címmel, munkamenet- és felhasználóazonosítóval, valamint az elért URL-lel a tevékenységek átlátható nyomon követése érdekében.</a:t>
+            </a:r>
+          </a:p>
+        </p:txBody>
+      </p:sp>
+      <p:sp>
+        <p:nvSpPr>
+          <p:cNvPr id="10" name="Szövegdoboz 9">
+            <a:extLst>
+              <a:ext uri="{FF2B5EF4-FFF2-40B4-BE49-F238E27FC236}">
+                <a16:creationId xmlns:a16="http://schemas.microsoft.com/office/drawing/2014/main" id="{0437B020-2A33-5AC7-0B66-E3340BFA9A37}"/>
+              </a:ext>
+            </a:extLst>
+          </p:cNvPr>
+          <p:cNvSpPr txBox="1"/>
+          <p:nvPr/>
+        </p:nvSpPr>
+        <p:spPr>
+          <a:xfrm>
+            <a:off x="6211226" y="4806287"/>
+            <a:ext cx="4783123" cy="707886"/>
+          </a:xfrm>
+          <a:prstGeom prst="rect">
+            <a:avLst/>
+          </a:prstGeom>
+          <a:noFill/>
+        </p:spPr>
+        <p:txBody>
+          <a:bodyPr wrap="square" rtlCol="0">
+            <a:spAutoFit/>
+          </a:bodyPr>
+          <a:lstStyle/>
+          <a:p>
+            <a:r>
+              <a:rPr lang="hu-HU" dirty="0">
+                <a:solidFill>
+                  <a:schemeClr val="accent1"/>
+                </a:solidFill>
+                <a:latin typeface="+mj-lt"/>
+              </a:rPr>
+              <a:t>Vásárlás</a:t>
+            </a:r>
+            <a:r>
+              <a:rPr lang="hu-HU" dirty="0">
+                <a:latin typeface="+mj-lt"/>
+              </a:rPr>
+              <a:t> - </a:t>
+            </a:r>
+            <a:r>
+              <a:rPr lang="hu-HU" sz="1100" dirty="0">
+                <a:solidFill>
+                  <a:schemeClr val="tx1">
+                    <a:lumMod val="75000"/>
+                    <a:lumOff val="25000"/>
+                  </a:schemeClr>
+                </a:solidFill>
+                <a:latin typeface="+mj-lt"/>
+              </a:rPr>
+              <a:t>A „Vásárlás” tábla a felhasználók vásárlásait rögzíti egyedi vásárlás- és tranzakcióazonosítóval, valamint a vásárlás dátumával, hogy a pénzügyi műveletek pontosan nyomon követhetők legyenek.</a:t>
+            </a:r>
+          </a:p>
+        </p:txBody>
+      </p:sp>
+      <p:sp>
+        <p:nvSpPr>
+          <p:cNvPr id="11" name="Szövegdoboz 10">
+            <a:extLst>
+              <a:ext uri="{FF2B5EF4-FFF2-40B4-BE49-F238E27FC236}">
+                <a16:creationId xmlns:a16="http://schemas.microsoft.com/office/drawing/2014/main" id="{FF53FEBD-69C6-5C85-4D41-BBD9A2D981F7}"/>
+              </a:ext>
+            </a:extLst>
+          </p:cNvPr>
+          <p:cNvSpPr txBox="1"/>
+          <p:nvPr/>
+        </p:nvSpPr>
+        <p:spPr>
+          <a:xfrm>
+            <a:off x="6211226" y="5512144"/>
+            <a:ext cx="5877157" cy="707886"/>
+          </a:xfrm>
+          <a:prstGeom prst="rect">
+            <a:avLst/>
+          </a:prstGeom>
+          <a:noFill/>
+        </p:spPr>
+        <p:txBody>
+          <a:bodyPr wrap="square" rtlCol="0">
+            <a:spAutoFit/>
+          </a:bodyPr>
+          <a:lstStyle/>
+          <a:p>
+            <a:r>
+              <a:rPr lang="hu-HU" dirty="0">
+                <a:solidFill>
+                  <a:schemeClr val="accent1"/>
+                </a:solidFill>
+                <a:latin typeface="+mj-lt"/>
+              </a:rPr>
+              <a:t>Termékek</a:t>
+            </a:r>
+            <a:r>
+              <a:rPr lang="hu-HU" dirty="0">
+                <a:latin typeface="+mj-lt"/>
+              </a:rPr>
+              <a:t> - </a:t>
+            </a:r>
+            <a:r>
+              <a:rPr lang="hu-HU" sz="1100" dirty="0">
+                <a:solidFill>
+                  <a:schemeClr val="tx1">
+                    <a:lumMod val="75000"/>
+                    <a:lumOff val="25000"/>
+                  </a:schemeClr>
+                </a:solidFill>
+                <a:latin typeface="+mj-lt"/>
+              </a:rPr>
+              <a:t>A „Termékek” tábla a termékek azonosítóját, nevét, árát, darabszámát, leírását és képét tárolja, hogy a vásárlásokhoz részletes és pontos termékinformációkat biztosítson.</a:t>
+            </a:r>
+          </a:p>
+        </p:txBody>
+      </p:sp>
     </p:spTree>
     <p:extLst>
       <p:ext uri="{BB962C8B-B14F-4D97-AF65-F5344CB8AC3E}">
